--- a/outils_numeriques/b1_methodes_numeriques/seance2_equation_diff/B1_s4_1_Approche_Systeme.pptx
+++ b/outils_numeriques/b1_methodes_numeriques/seance2_equation_diff/B1_s4_1_Approche_Systeme.pptx
@@ -227,7 +227,7 @@
           <a:p>
             <a:fld id="{95F60532-AC81-4152-B45E-E054A978F780}" type="datetimeFigureOut">
               <a:rPr lang="fr-FR" smtClean="0"/>
-              <a:t>26/04/2023</a:t>
+              <a:t>05/05/2023</a:t>
             </a:fld>
             <a:endParaRPr lang="fr-FR"/>
           </a:p>
@@ -650,7 +650,7 @@
           <a:p>
             <a:fld id="{785B9D93-2D6F-4658-911E-89FF557AACEE}" type="datetime1">
               <a:rPr lang="en-US" smtClean="0"/>
-              <a:t>4/26/2023</a:t>
+              <a:t>5/5/2023</a:t>
             </a:fld>
             <a:endParaRPr lang="en-US" dirty="0"/>
           </a:p>
@@ -1020,7 +1020,7 @@
           <a:p>
             <a:fld id="{4709A133-4251-46D0-8E1C-3DC2CCEEC594}" type="datetime1">
               <a:rPr lang="en-US" smtClean="0"/>
-              <a:t>4/26/2023</a:t>
+              <a:t>5/5/2023</a:t>
             </a:fld>
             <a:endParaRPr lang="en-US"/>
           </a:p>
@@ -1229,7 +1229,7 @@
           <a:p>
             <a:fld id="{757C9D7A-C246-41BC-AB36-CBBE03C4FC3D}" type="datetime1">
               <a:rPr lang="en-US" smtClean="0"/>
-              <a:t>4/26/2023</a:t>
+              <a:t>5/5/2023</a:t>
             </a:fld>
             <a:endParaRPr lang="en-US"/>
           </a:p>
@@ -1699,7 +1699,7 @@
           <a:p>
             <a:fld id="{DD23859D-5799-4C59-B29C-0D397C1B3B07}" type="datetime1">
               <a:rPr lang="en-US" smtClean="0"/>
-              <a:t>4/26/2023</a:t>
+              <a:t>5/5/2023</a:t>
             </a:fld>
             <a:endParaRPr lang="en-US"/>
           </a:p>
@@ -2153,7 +2153,7 @@
           <a:p>
             <a:fld id="{B36A9650-6794-4EE4-9500-0C43A7CB6B4A}" type="datetime1">
               <a:rPr lang="en-US" smtClean="0"/>
-              <a:t>4/26/2023</a:t>
+              <a:t>5/5/2023</a:t>
             </a:fld>
             <a:endParaRPr lang="en-US"/>
           </a:p>
@@ -2685,7 +2685,7 @@
           <a:p>
             <a:fld id="{1792256C-3121-4D72-8DFF-855B713C834E}" type="datetime1">
               <a:rPr lang="en-US" smtClean="0"/>
-              <a:t>4/26/2023</a:t>
+              <a:t>5/5/2023</a:t>
             </a:fld>
             <a:endParaRPr lang="en-US"/>
           </a:p>
@@ -3384,7 +3384,7 @@
           <a:p>
             <a:fld id="{580DF3A2-C727-46A5-9AC9-16B2E63C7D3A}" type="datetime1">
               <a:rPr lang="en-US" smtClean="0"/>
-              <a:t>4/26/2023</a:t>
+              <a:t>5/5/2023</a:t>
             </a:fld>
             <a:endParaRPr lang="en-US"/>
           </a:p>
@@ -3713,7 +3713,7 @@
           <a:p>
             <a:fld id="{9D23748C-796D-4F23-89AF-A2738DF446EE}" type="datetime1">
               <a:rPr lang="en-US" smtClean="0"/>
-              <a:t>4/26/2023</a:t>
+              <a:t>5/5/2023</a:t>
             </a:fld>
             <a:endParaRPr lang="en-US"/>
           </a:p>
@@ -3826,7 +3826,7 @@
           <a:p>
             <a:fld id="{B3AFB1A7-BA76-4344-B812-B8E53F62AA62}" type="datetime1">
               <a:rPr lang="en-US" smtClean="0"/>
-              <a:t>4/26/2023</a:t>
+              <a:t>5/5/2023</a:t>
             </a:fld>
             <a:endParaRPr lang="en-US"/>
           </a:p>
@@ -4321,7 +4321,7 @@
           <a:p>
             <a:fld id="{D2DB139E-AA5F-415E-A7EE-D6EE1B304D34}" type="datetime1">
               <a:rPr lang="en-US" smtClean="0"/>
-              <a:t>4/26/2023</a:t>
+              <a:t>5/5/2023</a:t>
             </a:fld>
             <a:endParaRPr lang="en-US" dirty="0"/>
           </a:p>
@@ -4798,7 +4798,7 @@
           <a:p>
             <a:fld id="{B0611B75-8EAE-4E82-AD4E-BC980BBD0DF6}" type="datetime1">
               <a:rPr lang="en-US" smtClean="0"/>
-              <a:t>4/26/2023</a:t>
+              <a:t>5/5/2023</a:t>
             </a:fld>
             <a:endParaRPr lang="en-US"/>
           </a:p>
@@ -5041,7 +5041,7 @@
           <a:p>
             <a:fld id="{5A39691B-EC2E-4EEE-9557-97A59C128178}" type="datetime1">
               <a:rPr lang="en-US" smtClean="0"/>
-              <a:t>4/26/2023</a:t>
+              <a:t>5/5/2023</a:t>
             </a:fld>
             <a:endParaRPr lang="en-US"/>
           </a:p>

--- a/outils_numeriques/b1_methodes_numeriques/seance2_equation_diff/B1_s4_1_Approche_Systeme.pptx
+++ b/outils_numeriques/b1_methodes_numeriques/seance2_equation_diff/B1_s4_1_Approche_Systeme.pptx
@@ -227,7 +227,7 @@
           <a:p>
             <a:fld id="{95F60532-AC81-4152-B45E-E054A978F780}" type="datetimeFigureOut">
               <a:rPr lang="fr-FR" smtClean="0"/>
-              <a:t>05/05/2023</a:t>
+              <a:t>12/05/2023</a:t>
             </a:fld>
             <a:endParaRPr lang="fr-FR"/>
           </a:p>
@@ -650,7 +650,7 @@
           <a:p>
             <a:fld id="{785B9D93-2D6F-4658-911E-89FF557AACEE}" type="datetime1">
               <a:rPr lang="en-US" smtClean="0"/>
-              <a:t>5/5/2023</a:t>
+              <a:t>5/12/2023</a:t>
             </a:fld>
             <a:endParaRPr lang="en-US" dirty="0"/>
           </a:p>
@@ -1020,7 +1020,7 @@
           <a:p>
             <a:fld id="{4709A133-4251-46D0-8E1C-3DC2CCEEC594}" type="datetime1">
               <a:rPr lang="en-US" smtClean="0"/>
-              <a:t>5/5/2023</a:t>
+              <a:t>5/12/2023</a:t>
             </a:fld>
             <a:endParaRPr lang="en-US"/>
           </a:p>
@@ -1229,7 +1229,7 @@
           <a:p>
             <a:fld id="{757C9D7A-C246-41BC-AB36-CBBE03C4FC3D}" type="datetime1">
               <a:rPr lang="en-US" smtClean="0"/>
-              <a:t>5/5/2023</a:t>
+              <a:t>5/12/2023</a:t>
             </a:fld>
             <a:endParaRPr lang="en-US"/>
           </a:p>
@@ -1699,7 +1699,7 @@
           <a:p>
             <a:fld id="{DD23859D-5799-4C59-B29C-0D397C1B3B07}" type="datetime1">
               <a:rPr lang="en-US" smtClean="0"/>
-              <a:t>5/5/2023</a:t>
+              <a:t>5/12/2023</a:t>
             </a:fld>
             <a:endParaRPr lang="en-US"/>
           </a:p>
@@ -2153,7 +2153,7 @@
           <a:p>
             <a:fld id="{B36A9650-6794-4EE4-9500-0C43A7CB6B4A}" type="datetime1">
               <a:rPr lang="en-US" smtClean="0"/>
-              <a:t>5/5/2023</a:t>
+              <a:t>5/12/2023</a:t>
             </a:fld>
             <a:endParaRPr lang="en-US"/>
           </a:p>
@@ -2685,7 +2685,7 @@
           <a:p>
             <a:fld id="{1792256C-3121-4D72-8DFF-855B713C834E}" type="datetime1">
               <a:rPr lang="en-US" smtClean="0"/>
-              <a:t>5/5/2023</a:t>
+              <a:t>5/12/2023</a:t>
             </a:fld>
             <a:endParaRPr lang="en-US"/>
           </a:p>
@@ -3384,7 +3384,7 @@
           <a:p>
             <a:fld id="{580DF3A2-C727-46A5-9AC9-16B2E63C7D3A}" type="datetime1">
               <a:rPr lang="en-US" smtClean="0"/>
-              <a:t>5/5/2023</a:t>
+              <a:t>5/12/2023</a:t>
             </a:fld>
             <a:endParaRPr lang="en-US"/>
           </a:p>
@@ -3713,7 +3713,7 @@
           <a:p>
             <a:fld id="{9D23748C-796D-4F23-89AF-A2738DF446EE}" type="datetime1">
               <a:rPr lang="en-US" smtClean="0"/>
-              <a:t>5/5/2023</a:t>
+              <a:t>5/12/2023</a:t>
             </a:fld>
             <a:endParaRPr lang="en-US"/>
           </a:p>
@@ -3826,7 +3826,7 @@
           <a:p>
             <a:fld id="{B3AFB1A7-BA76-4344-B812-B8E53F62AA62}" type="datetime1">
               <a:rPr lang="en-US" smtClean="0"/>
-              <a:t>5/5/2023</a:t>
+              <a:t>5/12/2023</a:t>
             </a:fld>
             <a:endParaRPr lang="en-US"/>
           </a:p>
@@ -4321,7 +4321,7 @@
           <a:p>
             <a:fld id="{D2DB139E-AA5F-415E-A7EE-D6EE1B304D34}" type="datetime1">
               <a:rPr lang="en-US" smtClean="0"/>
-              <a:t>5/5/2023</a:t>
+              <a:t>5/12/2023</a:t>
             </a:fld>
             <a:endParaRPr lang="en-US" dirty="0"/>
           </a:p>
@@ -4798,7 +4798,7 @@
           <a:p>
             <a:fld id="{B0611B75-8EAE-4E82-AD4E-BC980BBD0DF6}" type="datetime1">
               <a:rPr lang="en-US" smtClean="0"/>
-              <a:t>5/5/2023</a:t>
+              <a:t>5/12/2023</a:t>
             </a:fld>
             <a:endParaRPr lang="en-US"/>
           </a:p>
@@ -5041,7 +5041,7 @@
           <a:p>
             <a:fld id="{5A39691B-EC2E-4EEE-9557-97A59C128178}" type="datetime1">
               <a:rPr lang="en-US" smtClean="0"/>
-              <a:t>5/5/2023</a:t>
+              <a:t>5/12/2023</a:t>
             </a:fld>
             <a:endParaRPr lang="en-US"/>
           </a:p>
@@ -5475,7 +5475,7 @@
                 <a16:creationId xmlns:a16="http://schemas.microsoft.com/office/drawing/2014/main" id="{526E0BFB-CDF1-4990-8C11-AC849311E0A8}"/>
               </a:ext>
               <a:ext uri="{C183D7F6-B498-43B3-948B-1728B52AA6E4}">
-                <adec:decorative xmlns:adec="http://schemas.microsoft.com/office/drawing/2017/decorative" val="1"/>
+                <adec:decorative xmlns:adec="http://schemas.microsoft.com/office/drawing/2017/decorative" xmlns="" val="1"/>
               </a:ext>
             </a:extLst>
           </p:cNvPr>
@@ -5564,7 +5564,7 @@
                 <a16:creationId xmlns:a16="http://schemas.microsoft.com/office/drawing/2014/main" id="{6069A1F8-9BEB-4786-9694-FC48B2D75D21}"/>
               </a:ext>
               <a:ext uri="{C183D7F6-B498-43B3-948B-1728B52AA6E4}">
-                <adec:decorative xmlns:adec="http://schemas.microsoft.com/office/drawing/2017/decorative" val="1"/>
+                <adec:decorative xmlns:adec="http://schemas.microsoft.com/office/drawing/2017/decorative" xmlns="" val="1"/>
               </a:ext>
             </a:extLst>
           </p:cNvPr>
@@ -5715,7 +5715,7 @@
                 <a16:creationId xmlns:a16="http://schemas.microsoft.com/office/drawing/2014/main" id="{AF2F604E-43BE-4DC3-B983-E071523364F8}"/>
               </a:ext>
               <a:ext uri="{C183D7F6-B498-43B3-948B-1728B52AA6E4}">
-                <adec:decorative xmlns:adec="http://schemas.microsoft.com/office/drawing/2017/decorative" val="1"/>
+                <adec:decorative xmlns:adec="http://schemas.microsoft.com/office/drawing/2017/decorative" xmlns="" val="1"/>
               </a:ext>
             </a:extLst>
           </p:cNvPr>
@@ -5807,7 +5807,7 @@
                 <a16:creationId xmlns:a16="http://schemas.microsoft.com/office/drawing/2014/main" id="{08C9B587-E65E-4B52-B37C-ABEBB6E87928}"/>
               </a:ext>
               <a:ext uri="{C183D7F6-B498-43B3-948B-1728B52AA6E4}">
-                <adec:decorative xmlns:adec="http://schemas.microsoft.com/office/drawing/2017/decorative" val="1"/>
+                <adec:decorative xmlns:adec="http://schemas.microsoft.com/office/drawing/2017/decorative" xmlns="" val="1"/>
               </a:ext>
             </a:extLst>
           </p:cNvPr>
@@ -6997,8 +6997,8 @@
           </p:sp>
         </mc:Fallback>
       </mc:AlternateContent>
-      <mc:AlternateContent xmlns:mc="http://schemas.openxmlformats.org/markup-compatibility/2006" xmlns:a14="http://schemas.microsoft.com/office/drawing/2010/main">
-        <mc:Choice Requires="a14">
+      <mc:AlternateContent xmlns:mc="http://schemas.openxmlformats.org/markup-compatibility/2006">
+        <mc:Choice xmlns:a14="http://schemas.microsoft.com/office/drawing/2010/main" Requires="a14">
           <p:sp>
             <p:nvSpPr>
               <p:cNvPr id="16" name="ZoneTexte 15">
@@ -7014,7 +7014,7 @@
             <p:spPr>
               <a:xfrm>
                 <a:off x="6924408" y="4692517"/>
-                <a:ext cx="3894208" cy="882036"/>
+                <a:ext cx="3990388" cy="882036"/>
               </a:xfrm>
               <a:prstGeom prst="rect">
                 <a:avLst/>
@@ -7151,7 +7151,7 @@
                                   <a:latin typeface="Cambria Math" panose="02040503050406030204" pitchFamily="18" charset="0"/>
                                   <a:ea typeface="Cambria Math" panose="02040503050406030204" pitchFamily="18" charset="0"/>
                                 </a:rPr>
-                                <m:t>𝒆</m:t>
+                                <m:t>𝑺</m:t>
                               </m:r>
                             </m:sub>
                           </m:sSub>
@@ -7189,7 +7189,7 @@
                             </m:e>
                             <m:sub>
                               <m:r>
-                                <a:rPr lang="fr-FR" sz="2800" b="1" i="1">
+                                <a:rPr lang="fr-FR" sz="2800" b="1" i="1" smtClean="0">
                                   <a:solidFill>
                                     <a:schemeClr val="tx1">
                                       <a:lumMod val="75000"/>
@@ -7199,7 +7199,7 @@
                                   <a:latin typeface="Cambria Math" panose="02040503050406030204" pitchFamily="18" charset="0"/>
                                   <a:ea typeface="Cambria Math" panose="02040503050406030204" pitchFamily="18" charset="0"/>
                                 </a:rPr>
-                                <m:t>𝒔</m:t>
+                                <m:t>𝑬</m:t>
                               </m:r>
                             </m:sub>
                           </m:sSub>
@@ -7359,7 +7359,7 @@
             </p:txBody>
           </p:sp>
         </mc:Choice>
-        <mc:Fallback xmlns="">
+        <mc:Fallback>
           <p:sp>
             <p:nvSpPr>
               <p:cNvPr id="16" name="ZoneTexte 15">
@@ -7377,7 +7377,7 @@
             <p:spPr>
               <a:xfrm>
                 <a:off x="6924408" y="4692517"/>
-                <a:ext cx="3894208" cy="882036"/>
+                <a:ext cx="3990388" cy="882036"/>
               </a:xfrm>
               <a:prstGeom prst="rect">
                 <a:avLst/>
@@ -7505,7 +7505,7 @@
                 <a16:creationId xmlns:a16="http://schemas.microsoft.com/office/drawing/2014/main" id="{526E0BFB-CDF1-4990-8C11-AC849311E0A8}"/>
               </a:ext>
               <a:ext uri="{C183D7F6-B498-43B3-948B-1728B52AA6E4}">
-                <adec:decorative xmlns:adec="http://schemas.microsoft.com/office/drawing/2017/decorative" val="1"/>
+                <adec:decorative xmlns:adec="http://schemas.microsoft.com/office/drawing/2017/decorative" xmlns="" val="1"/>
               </a:ext>
             </a:extLst>
           </p:cNvPr>
@@ -7594,7 +7594,7 @@
                 <a16:creationId xmlns:a16="http://schemas.microsoft.com/office/drawing/2014/main" id="{6069A1F8-9BEB-4786-9694-FC48B2D75D21}"/>
               </a:ext>
               <a:ext uri="{C183D7F6-B498-43B3-948B-1728B52AA6E4}">
-                <adec:decorative xmlns:adec="http://schemas.microsoft.com/office/drawing/2017/decorative" val="1"/>
+                <adec:decorative xmlns:adec="http://schemas.microsoft.com/office/drawing/2017/decorative" xmlns="" val="1"/>
               </a:ext>
             </a:extLst>
           </p:cNvPr>
@@ -7702,6 +7702,10 @@
             <a:br>
               <a:rPr lang="fr-FR" sz="4800" dirty="0"/>
             </a:br>
+            <a:r>
+              <a:rPr lang="fr-FR" sz="4800" dirty="0"/>
+              <a:t/>
+            </a:r>
             <a:br>
               <a:rPr lang="fr-FR" sz="4800" dirty="0"/>
             </a:br>
@@ -7755,7 +7759,7 @@
                 <a16:creationId xmlns:a16="http://schemas.microsoft.com/office/drawing/2014/main" id="{AF2F604E-43BE-4DC3-B983-E071523364F8}"/>
               </a:ext>
               <a:ext uri="{C183D7F6-B498-43B3-948B-1728B52AA6E4}">
-                <adec:decorative xmlns:adec="http://schemas.microsoft.com/office/drawing/2017/decorative" val="1"/>
+                <adec:decorative xmlns:adec="http://schemas.microsoft.com/office/drawing/2017/decorative" xmlns="" val="1"/>
               </a:ext>
             </a:extLst>
           </p:cNvPr>
@@ -7847,7 +7851,7 @@
                 <a16:creationId xmlns:a16="http://schemas.microsoft.com/office/drawing/2014/main" id="{08C9B587-E65E-4B52-B37C-ABEBB6E87928}"/>
               </a:ext>
               <a:ext uri="{C183D7F6-B498-43B3-948B-1728B52AA6E4}">
-                <adec:decorative xmlns:adec="http://schemas.microsoft.com/office/drawing/2017/decorative" val="1"/>
+                <adec:decorative xmlns:adec="http://schemas.microsoft.com/office/drawing/2017/decorative" xmlns="" val="1"/>
               </a:ext>
             </a:extLst>
           </p:cNvPr>
@@ -8647,8 +8651,8 @@
           </a:p>
         </p:txBody>
       </p:sp>
-      <mc:AlternateContent xmlns:mc="http://schemas.openxmlformats.org/markup-compatibility/2006" xmlns:a14="http://schemas.microsoft.com/office/drawing/2010/main">
-        <mc:Choice Requires="a14">
+      <mc:AlternateContent xmlns:mc="http://schemas.openxmlformats.org/markup-compatibility/2006">
+        <mc:Choice xmlns:a14="http://schemas.microsoft.com/office/drawing/2010/main" Requires="a14">
           <p:sp>
             <p:nvSpPr>
               <p:cNvPr id="16" name="ZoneTexte 15">
@@ -8664,7 +8668,7 @@
             <p:spPr>
               <a:xfrm>
                 <a:off x="6924408" y="3463157"/>
-                <a:ext cx="3894208" cy="882036"/>
+                <a:ext cx="3990388" cy="882036"/>
               </a:xfrm>
               <a:prstGeom prst="rect">
                 <a:avLst/>
@@ -8801,7 +8805,7 @@
                                   <a:latin typeface="Cambria Math" panose="02040503050406030204" pitchFamily="18" charset="0"/>
                                   <a:ea typeface="Cambria Math" panose="02040503050406030204" pitchFamily="18" charset="0"/>
                                 </a:rPr>
-                                <m:t>𝒆</m:t>
+                                <m:t>𝑺</m:t>
                               </m:r>
                             </m:sub>
                           </m:sSub>
@@ -8839,7 +8843,7 @@
                             </m:e>
                             <m:sub>
                               <m:r>
-                                <a:rPr lang="fr-FR" sz="2800" b="1" i="1">
+                                <a:rPr lang="fr-FR" sz="2800" b="1" i="1" smtClean="0">
                                   <a:solidFill>
                                     <a:schemeClr val="tx1">
                                       <a:lumMod val="75000"/>
@@ -8849,7 +8853,7 @@
                                   <a:latin typeface="Cambria Math" panose="02040503050406030204" pitchFamily="18" charset="0"/>
                                   <a:ea typeface="Cambria Math" panose="02040503050406030204" pitchFamily="18" charset="0"/>
                                 </a:rPr>
-                                <m:t>𝒔</m:t>
+                                <m:t>𝑬</m:t>
                               </m:r>
                             </m:sub>
                           </m:sSub>
@@ -9009,7 +9013,7 @@
             </p:txBody>
           </p:sp>
         </mc:Choice>
-        <mc:Fallback xmlns="">
+        <mc:Fallback>
           <p:sp>
             <p:nvSpPr>
               <p:cNvPr id="16" name="ZoneTexte 15">
@@ -9027,7 +9031,7 @@
             <p:spPr>
               <a:xfrm>
                 <a:off x="6924408" y="3463157"/>
-                <a:ext cx="3894208" cy="882036"/>
+                <a:ext cx="3990388" cy="882036"/>
               </a:xfrm>
               <a:prstGeom prst="rect">
                 <a:avLst/>
@@ -9634,8 +9638,8 @@
           </a:p>
         </p:txBody>
       </p:sp>
-      <mc:AlternateContent xmlns:mc="http://schemas.openxmlformats.org/markup-compatibility/2006" xmlns:a14="http://schemas.microsoft.com/office/drawing/2010/main">
-        <mc:Choice Requires="a14">
+      <mc:AlternateContent xmlns:mc="http://schemas.openxmlformats.org/markup-compatibility/2006">
+        <mc:Choice xmlns:a14="http://schemas.microsoft.com/office/drawing/2010/main" Requires="a14">
           <p:sp>
             <p:nvSpPr>
               <p:cNvPr id="16" name="ZoneTexte 15">
@@ -9651,7 +9655,7 @@
             <p:spPr>
               <a:xfrm>
                 <a:off x="6924408" y="3463157"/>
-                <a:ext cx="3605411" cy="893258"/>
+                <a:ext cx="3701590" cy="897105"/>
               </a:xfrm>
               <a:prstGeom prst="rect">
                 <a:avLst/>
@@ -9788,7 +9792,7 @@
                                   <a:latin typeface="Cambria Math" panose="02040503050406030204" pitchFamily="18" charset="0"/>
                                   <a:ea typeface="Cambria Math" panose="02040503050406030204" pitchFamily="18" charset="0"/>
                                 </a:rPr>
-                                <m:t>𝒆</m:t>
+                                <m:t>𝑺</m:t>
                               </m:r>
                             </m:sub>
                           </m:sSub>
@@ -9826,7 +9830,7 @@
                             </m:e>
                             <m:sub>
                               <m:r>
-                                <a:rPr lang="fr-FR" sz="2800" b="1" i="1">
+                                <a:rPr lang="fr-FR" sz="2800" b="1" i="1" smtClean="0">
                                   <a:solidFill>
                                     <a:schemeClr val="tx1">
                                       <a:lumMod val="75000"/>
@@ -9836,7 +9840,7 @@
                                   <a:latin typeface="Cambria Math" panose="02040503050406030204" pitchFamily="18" charset="0"/>
                                   <a:ea typeface="Cambria Math" panose="02040503050406030204" pitchFamily="18" charset="0"/>
                                 </a:rPr>
-                                <m:t>𝒔</m:t>
+                                <m:t>𝑬</m:t>
                               </m:r>
                             </m:sub>
                           </m:sSub>
@@ -9996,7 +10000,7 @@
             </p:txBody>
           </p:sp>
         </mc:Choice>
-        <mc:Fallback xmlns="">
+        <mc:Fallback>
           <p:sp>
             <p:nvSpPr>
               <p:cNvPr id="16" name="ZoneTexte 15">
@@ -10014,7 +10018,7 @@
             <p:spPr>
               <a:xfrm>
                 <a:off x="6924408" y="3463157"/>
-                <a:ext cx="3605411" cy="893258"/>
+                <a:ext cx="3701590" cy="897105"/>
               </a:xfrm>
               <a:prstGeom prst="rect">
                 <a:avLst/>
@@ -11712,13 +11716,13 @@
           <p:nvPr/>
         </p:nvPicPr>
         <p:blipFill>
-          <a:blip r:embed="rId3">
+          <a:blip r:embed="rId3" cstate="hqprint">
             <a:extLst>
               <a:ext uri="{28A0092B-C50C-407E-A947-70E740481C1C}">
                 <a14:useLocalDpi xmlns:a14="http://schemas.microsoft.com/office/drawing/2010/main" val="0"/>
               </a:ext>
               <a:ext uri="{96DAC541-7B7A-43D3-8B79-37D633B846F1}">
-                <asvg:svgBlip xmlns:asvg="http://schemas.microsoft.com/office/drawing/2016/SVG/main" r:embed="rId4"/>
+                <asvg:svgBlip xmlns:asvg="http://schemas.microsoft.com/office/drawing/2016/SVG/main" xmlns="" r:embed="rId4"/>
               </a:ext>
             </a:extLst>
           </a:blip>
@@ -11908,8 +11912,8 @@
           </a:p>
         </p:txBody>
       </p:sp>
-      <mc:AlternateContent xmlns:mc="http://schemas.openxmlformats.org/markup-compatibility/2006" xmlns:a14="http://schemas.microsoft.com/office/drawing/2010/main">
-        <mc:Choice Requires="a14">
+      <mc:AlternateContent xmlns:mc="http://schemas.openxmlformats.org/markup-compatibility/2006">
+        <mc:Choice xmlns:a14="http://schemas.microsoft.com/office/drawing/2010/main" Requires="a14">
           <p:sp>
             <p:nvSpPr>
               <p:cNvPr id="12" name="ZoneTexte 11">
@@ -11925,7 +11929,7 @@
             <p:spPr>
               <a:xfrm>
                 <a:off x="7750440" y="2358262"/>
-                <a:ext cx="3894208" cy="882036"/>
+                <a:ext cx="3990388" cy="882036"/>
               </a:xfrm>
               <a:prstGeom prst="rect">
                 <a:avLst/>
@@ -12062,7 +12066,7 @@
                                   <a:latin typeface="Cambria Math" panose="02040503050406030204" pitchFamily="18" charset="0"/>
                                   <a:ea typeface="Cambria Math" panose="02040503050406030204" pitchFamily="18" charset="0"/>
                                 </a:rPr>
-                                <m:t>𝒆</m:t>
+                                <m:t>𝑺</m:t>
                               </m:r>
                             </m:sub>
                           </m:sSub>
@@ -12100,7 +12104,7 @@
                             </m:e>
                             <m:sub>
                               <m:r>
-                                <a:rPr lang="fr-FR" sz="2800" b="1" i="1">
+                                <a:rPr lang="fr-FR" sz="2800" b="1" i="1" smtClean="0">
                                   <a:solidFill>
                                     <a:schemeClr val="tx1">
                                       <a:lumMod val="75000"/>
@@ -12110,7 +12114,7 @@
                                   <a:latin typeface="Cambria Math" panose="02040503050406030204" pitchFamily="18" charset="0"/>
                                   <a:ea typeface="Cambria Math" panose="02040503050406030204" pitchFamily="18" charset="0"/>
                                 </a:rPr>
-                                <m:t>𝒔</m:t>
+                                <m:t>𝑬</m:t>
                               </m:r>
                             </m:sub>
                           </m:sSub>
@@ -12270,7 +12274,7 @@
             </p:txBody>
           </p:sp>
         </mc:Choice>
-        <mc:Fallback xmlns="">
+        <mc:Fallback>
           <p:sp>
             <p:nvSpPr>
               <p:cNvPr id="12" name="ZoneTexte 11">
@@ -12288,7 +12292,7 @@
             <p:spPr>
               <a:xfrm>
                 <a:off x="7750440" y="2358262"/>
-                <a:ext cx="3894208" cy="882036"/>
+                <a:ext cx="3990388" cy="882036"/>
               </a:xfrm>
               <a:prstGeom prst="rect">
                 <a:avLst/>
@@ -12596,8 +12600,8 @@
           </a:prstGeom>
         </p:spPr>
       </p:pic>
-      <mc:AlternateContent xmlns:mc="http://schemas.openxmlformats.org/markup-compatibility/2006" xmlns:a14="http://schemas.microsoft.com/office/drawing/2010/main">
-        <mc:Choice Requires="a14">
+      <mc:AlternateContent xmlns:mc="http://schemas.openxmlformats.org/markup-compatibility/2006">
+        <mc:Choice xmlns:a14="http://schemas.microsoft.com/office/drawing/2010/main" Requires="a14">
           <p:sp>
             <p:nvSpPr>
               <p:cNvPr id="12" name="ZoneTexte 11">
@@ -12613,7 +12617,7 @@
             <p:spPr>
               <a:xfrm>
                 <a:off x="7750440" y="2358262"/>
-                <a:ext cx="3894208" cy="882036"/>
+                <a:ext cx="3990388" cy="882036"/>
               </a:xfrm>
               <a:prstGeom prst="rect">
                 <a:avLst/>
@@ -12750,7 +12754,7 @@
                                   <a:latin typeface="Cambria Math" panose="02040503050406030204" pitchFamily="18" charset="0"/>
                                   <a:ea typeface="Cambria Math" panose="02040503050406030204" pitchFamily="18" charset="0"/>
                                 </a:rPr>
-                                <m:t>𝒆</m:t>
+                                <m:t>𝑺</m:t>
                               </m:r>
                             </m:sub>
                           </m:sSub>
@@ -12759,7 +12763,7 @@
                           <m:sSub>
                             <m:sSubPr>
                               <m:ctrlPr>
-                                <a:rPr lang="fr-FR" sz="2800" b="1" i="1">
+                                <a:rPr lang="fr-FR" sz="2800" b="1" i="1" smtClean="0">
                                   <a:solidFill>
                                     <a:schemeClr val="tx1">
                                       <a:lumMod val="75000"/>
@@ -12788,7 +12792,7 @@
                             </m:e>
                             <m:sub>
                               <m:r>
-                                <a:rPr lang="fr-FR" sz="2800" b="1" i="1">
+                                <a:rPr lang="fr-FR" sz="2800" b="1" i="1" smtClean="0">
                                   <a:solidFill>
                                     <a:schemeClr val="tx1">
                                       <a:lumMod val="75000"/>
@@ -12798,7 +12802,7 @@
                                   <a:latin typeface="Cambria Math" panose="02040503050406030204" pitchFamily="18" charset="0"/>
                                   <a:ea typeface="Cambria Math" panose="02040503050406030204" pitchFamily="18" charset="0"/>
                                 </a:rPr>
-                                <m:t>𝒔</m:t>
+                                <m:t>𝑬</m:t>
                               </m:r>
                             </m:sub>
                           </m:sSub>
@@ -12958,7 +12962,7 @@
             </p:txBody>
           </p:sp>
         </mc:Choice>
-        <mc:Fallback xmlns="">
+        <mc:Fallback>
           <p:sp>
             <p:nvSpPr>
               <p:cNvPr id="12" name="ZoneTexte 11">
@@ -12976,7 +12980,7 @@
             <p:spPr>
               <a:xfrm>
                 <a:off x="7750440" y="2358262"/>
-                <a:ext cx="3894208" cy="882036"/>
+                <a:ext cx="3990388" cy="882036"/>
               </a:xfrm>
               <a:prstGeom prst="rect">
                 <a:avLst/>
@@ -13237,7 +13241,7 @@
           <p:nvPr/>
         </p:nvPicPr>
         <p:blipFill>
-          <a:blip r:embed="rId4">
+          <a:blip r:embed="rId4" cstate="hqprint">
             <a:extLst>
               <a:ext uri="{28A0092B-C50C-407E-A947-70E740481C1C}">
                 <a14:useLocalDpi xmlns:a14="http://schemas.microsoft.com/office/drawing/2010/main" val="0"/>
@@ -13488,13 +13492,13 @@
           <p:nvPr/>
         </p:nvPicPr>
         <p:blipFill>
-          <a:blip r:embed="rId3">
+          <a:blip r:embed="rId3" cstate="hqprint">
             <a:extLst>
               <a:ext uri="{28A0092B-C50C-407E-A947-70E740481C1C}">
                 <a14:useLocalDpi xmlns:a14="http://schemas.microsoft.com/office/drawing/2010/main" val="0"/>
               </a:ext>
               <a:ext uri="{96DAC541-7B7A-43D3-8B79-37D633B846F1}">
-                <asvg:svgBlip xmlns:asvg="http://schemas.microsoft.com/office/drawing/2016/SVG/main" r:embed="rId4"/>
+                <asvg:svgBlip xmlns:asvg="http://schemas.microsoft.com/office/drawing/2016/SVG/main" xmlns="" r:embed="rId4"/>
               </a:ext>
             </a:extLst>
           </a:blip>
@@ -13684,8 +13688,8 @@
           </a:p>
         </p:txBody>
       </p:sp>
-      <mc:AlternateContent xmlns:mc="http://schemas.openxmlformats.org/markup-compatibility/2006" xmlns:a14="http://schemas.microsoft.com/office/drawing/2010/main">
-        <mc:Choice Requires="a14">
+      <mc:AlternateContent xmlns:mc="http://schemas.openxmlformats.org/markup-compatibility/2006">
+        <mc:Choice xmlns:a14="http://schemas.microsoft.com/office/drawing/2010/main" Requires="a14">
           <p:sp>
             <p:nvSpPr>
               <p:cNvPr id="12" name="ZoneTexte 11">
@@ -13701,7 +13705,7 @@
             <p:spPr>
               <a:xfrm>
                 <a:off x="7750440" y="2358262"/>
-                <a:ext cx="3894208" cy="882036"/>
+                <a:ext cx="3990388" cy="882036"/>
               </a:xfrm>
               <a:prstGeom prst="rect">
                 <a:avLst/>
@@ -13838,7 +13842,7 @@
                                   <a:latin typeface="Cambria Math" panose="02040503050406030204" pitchFamily="18" charset="0"/>
                                   <a:ea typeface="Cambria Math" panose="02040503050406030204" pitchFamily="18" charset="0"/>
                                 </a:rPr>
-                                <m:t>𝒆</m:t>
+                                <m:t>𝑺</m:t>
                               </m:r>
                             </m:sub>
                           </m:sSub>
@@ -13876,7 +13880,7 @@
                             </m:e>
                             <m:sub>
                               <m:r>
-                                <a:rPr lang="fr-FR" sz="2800" b="1" i="1">
+                                <a:rPr lang="fr-FR" sz="2800" b="1" i="1" smtClean="0">
                                   <a:solidFill>
                                     <a:schemeClr val="tx1">
                                       <a:lumMod val="75000"/>
@@ -13886,7 +13890,7 @@
                                   <a:latin typeface="Cambria Math" panose="02040503050406030204" pitchFamily="18" charset="0"/>
                                   <a:ea typeface="Cambria Math" panose="02040503050406030204" pitchFamily="18" charset="0"/>
                                 </a:rPr>
-                                <m:t>𝒔</m:t>
+                                <m:t>𝑬</m:t>
                               </m:r>
                             </m:sub>
                           </m:sSub>
@@ -14046,7 +14050,7 @@
             </p:txBody>
           </p:sp>
         </mc:Choice>
-        <mc:Fallback xmlns="">
+        <mc:Fallback>
           <p:sp>
             <p:nvSpPr>
               <p:cNvPr id="12" name="ZoneTexte 11">
@@ -14064,7 +14068,7 @@
             <p:spPr>
               <a:xfrm>
                 <a:off x="7750440" y="2358262"/>
-                <a:ext cx="3894208" cy="882036"/>
+                <a:ext cx="3990388" cy="882036"/>
               </a:xfrm>
               <a:prstGeom prst="rect">
                 <a:avLst/>
@@ -15287,13 +15291,13 @@
           <p:nvPr/>
         </p:nvPicPr>
         <p:blipFill>
-          <a:blip r:embed="rId3">
+          <a:blip r:embed="rId3" cstate="hqprint">
             <a:extLst>
               <a:ext uri="{28A0092B-C50C-407E-A947-70E740481C1C}">
                 <a14:useLocalDpi xmlns:a14="http://schemas.microsoft.com/office/drawing/2010/main" val="0"/>
               </a:ext>
               <a:ext uri="{96DAC541-7B7A-43D3-8B79-37D633B846F1}">
-                <asvg:svgBlip xmlns:asvg="http://schemas.microsoft.com/office/drawing/2016/SVG/main" r:embed="rId4"/>
+                <asvg:svgBlip xmlns:asvg="http://schemas.microsoft.com/office/drawing/2016/SVG/main" xmlns="" r:embed="rId4"/>
               </a:ext>
             </a:extLst>
           </a:blip>
@@ -15978,13 +15982,13 @@
           <p:nvPr/>
         </p:nvPicPr>
         <p:blipFill>
-          <a:blip r:embed="rId3">
+          <a:blip r:embed="rId3" cstate="hqprint">
             <a:extLst>
               <a:ext uri="{28A0092B-C50C-407E-A947-70E740481C1C}">
                 <a14:useLocalDpi xmlns:a14="http://schemas.microsoft.com/office/drawing/2010/main" val="0"/>
               </a:ext>
               <a:ext uri="{96DAC541-7B7A-43D3-8B79-37D633B846F1}">
-                <asvg:svgBlip xmlns:asvg="http://schemas.microsoft.com/office/drawing/2016/SVG/main" r:embed="rId4"/>
+                <asvg:svgBlip xmlns:asvg="http://schemas.microsoft.com/office/drawing/2016/SVG/main" xmlns="" r:embed="rId4"/>
               </a:ext>
             </a:extLst>
           </a:blip>
@@ -16164,8 +16168,8 @@
           </a:p>
         </p:txBody>
       </p:sp>
-      <mc:AlternateContent xmlns:mc="http://schemas.openxmlformats.org/markup-compatibility/2006" xmlns:a14="http://schemas.microsoft.com/office/drawing/2010/main">
-        <mc:Choice Requires="a14">
+      <mc:AlternateContent xmlns:mc="http://schemas.openxmlformats.org/markup-compatibility/2006">
+        <mc:Choice xmlns:a14="http://schemas.microsoft.com/office/drawing/2010/main" Requires="a14">
           <p:sp>
             <p:nvSpPr>
               <p:cNvPr id="12" name="ZoneTexte 11">
@@ -16181,7 +16185,7 @@
             <p:spPr>
               <a:xfrm>
                 <a:off x="7750440" y="2358262"/>
-                <a:ext cx="3894208" cy="882036"/>
+                <a:ext cx="3990388" cy="882036"/>
               </a:xfrm>
               <a:prstGeom prst="rect">
                 <a:avLst/>
@@ -16318,7 +16322,7 @@
                                   <a:latin typeface="Cambria Math" panose="02040503050406030204" pitchFamily="18" charset="0"/>
                                   <a:ea typeface="Cambria Math" panose="02040503050406030204" pitchFamily="18" charset="0"/>
                                 </a:rPr>
-                                <m:t>𝒆</m:t>
+                                <m:t>𝑺</m:t>
                               </m:r>
                             </m:sub>
                           </m:sSub>
@@ -16356,7 +16360,7 @@
                             </m:e>
                             <m:sub>
                               <m:r>
-                                <a:rPr lang="fr-FR" sz="2800" b="1" i="1">
+                                <a:rPr lang="fr-FR" sz="2800" b="1" i="1" smtClean="0">
                                   <a:solidFill>
                                     <a:schemeClr val="tx1">
                                       <a:lumMod val="75000"/>
@@ -16366,7 +16370,7 @@
                                   <a:latin typeface="Cambria Math" panose="02040503050406030204" pitchFamily="18" charset="0"/>
                                   <a:ea typeface="Cambria Math" panose="02040503050406030204" pitchFamily="18" charset="0"/>
                                 </a:rPr>
-                                <m:t>𝒔</m:t>
+                                <m:t>𝑬</m:t>
                               </m:r>
                             </m:sub>
                           </m:sSub>
@@ -16526,7 +16530,7 @@
             </p:txBody>
           </p:sp>
         </mc:Choice>
-        <mc:Fallback xmlns="">
+        <mc:Fallback>
           <p:sp>
             <p:nvSpPr>
               <p:cNvPr id="12" name="ZoneTexte 11">
@@ -16544,7 +16548,7 @@
             <p:spPr>
               <a:xfrm>
                 <a:off x="7750440" y="2358262"/>
-                <a:ext cx="3894208" cy="882036"/>
+                <a:ext cx="3990388" cy="882036"/>
               </a:xfrm>
               <a:prstGeom prst="rect">
                 <a:avLst/>
@@ -22056,13 +22060,13 @@
           <p:nvPr/>
         </p:nvPicPr>
         <p:blipFill>
-          <a:blip r:embed="rId5">
+          <a:blip r:embed="rId5" cstate="hqprint">
             <a:extLst>
               <a:ext uri="{28A0092B-C50C-407E-A947-70E740481C1C}">
                 <a14:useLocalDpi xmlns:a14="http://schemas.microsoft.com/office/drawing/2010/main" val="0"/>
               </a:ext>
               <a:ext uri="{96DAC541-7B7A-43D3-8B79-37D633B846F1}">
-                <asvg:svgBlip xmlns:asvg="http://schemas.microsoft.com/office/drawing/2016/SVG/main" r:embed="rId6"/>
+                <asvg:svgBlip xmlns:asvg="http://schemas.microsoft.com/office/drawing/2016/SVG/main" xmlns="" r:embed="rId6"/>
               </a:ext>
             </a:extLst>
           </a:blip>
@@ -22122,8 +22126,8 @@
           </a:p>
         </p:txBody>
       </p:sp>
-      <mc:AlternateContent xmlns:mc="http://schemas.openxmlformats.org/markup-compatibility/2006" xmlns:a14="http://schemas.microsoft.com/office/drawing/2010/main">
-        <mc:Choice Requires="a14">
+      <mc:AlternateContent xmlns:mc="http://schemas.openxmlformats.org/markup-compatibility/2006">
+        <mc:Choice xmlns:a14="http://schemas.microsoft.com/office/drawing/2010/main" Requires="a14">
           <p:sp>
             <p:nvSpPr>
               <p:cNvPr id="6" name="ZoneTexte 5">
@@ -22139,7 +22143,7 @@
             <p:spPr>
               <a:xfrm>
                 <a:off x="7435783" y="4681625"/>
-                <a:ext cx="3847913" cy="1336776"/>
+                <a:ext cx="3916841" cy="1336776"/>
               </a:xfrm>
               <a:prstGeom prst="rect">
                 <a:avLst/>
@@ -22276,7 +22280,7 @@
                                   <a:latin typeface="Cambria Math" panose="02040503050406030204" pitchFamily="18" charset="0"/>
                                   <a:ea typeface="Cambria Math" panose="02040503050406030204" pitchFamily="18" charset="0"/>
                                 </a:rPr>
-                                <m:t>𝒆</m:t>
+                                <m:t>𝑺</m:t>
                               </m:r>
                             </m:sub>
                           </m:sSub>
@@ -22285,7 +22289,7 @@
                           <m:sSub>
                             <m:sSubPr>
                               <m:ctrlPr>
-                                <a:rPr lang="fr-FR" sz="2000" b="1" i="1">
+                                <a:rPr lang="fr-FR" sz="2000" b="1" i="1" smtClean="0">
                                   <a:solidFill>
                                     <a:schemeClr val="tx1">
                                       <a:lumMod val="75000"/>
@@ -22314,7 +22318,7 @@
                             </m:e>
                             <m:sub>
                               <m:r>
-                                <a:rPr lang="fr-FR" sz="2000" b="1" i="1">
+                                <a:rPr lang="fr-FR" sz="2000" b="1" i="1" smtClean="0">
                                   <a:solidFill>
                                     <a:schemeClr val="tx1">
                                       <a:lumMod val="75000"/>
@@ -22324,7 +22328,7 @@
                                   <a:latin typeface="Cambria Math" panose="02040503050406030204" pitchFamily="18" charset="0"/>
                                   <a:ea typeface="Cambria Math" panose="02040503050406030204" pitchFamily="18" charset="0"/>
                                 </a:rPr>
-                                <m:t>𝒔</m:t>
+                                <m:t>𝑬</m:t>
                               </m:r>
                             </m:sub>
                           </m:sSub>
@@ -22863,7 +22867,7 @@
             </p:txBody>
           </p:sp>
         </mc:Choice>
-        <mc:Fallback xmlns="">
+        <mc:Fallback>
           <p:sp>
             <p:nvSpPr>
               <p:cNvPr id="6" name="ZoneTexte 5">
@@ -22881,7 +22885,7 @@
             <p:spPr>
               <a:xfrm>
                 <a:off x="7435783" y="4681625"/>
-                <a:ext cx="3847913" cy="1336776"/>
+                <a:ext cx="3916841" cy="1336776"/>
               </a:xfrm>
               <a:prstGeom prst="rect">
                 <a:avLst/>
@@ -23014,6 +23018,10 @@
             <a:r>
               <a:rPr lang="fr-FR" sz="2000" i="1" dirty="0"/>
               <a:t>– Auteur</a:t>
+            </a:r>
+            <a:r>
+              <a:rPr lang="fr-FR" sz="2000" dirty="0"/>
+              <a:t/>
             </a:r>
             <a:br>
               <a:rPr lang="fr-FR" sz="2000" dirty="0"/>
@@ -23837,8 +23845,8 @@
           </a:p>
         </p:txBody>
       </p:sp>
-      <mc:AlternateContent xmlns:mc="http://schemas.openxmlformats.org/markup-compatibility/2006" xmlns:a14="http://schemas.microsoft.com/office/drawing/2010/main">
-        <mc:Choice Requires="a14">
+      <mc:AlternateContent xmlns:mc="http://schemas.openxmlformats.org/markup-compatibility/2006">
+        <mc:Choice xmlns:a14="http://schemas.microsoft.com/office/drawing/2010/main" Requires="a14">
           <p:sp>
             <p:nvSpPr>
               <p:cNvPr id="15" name="ZoneTexte 14">
@@ -23854,7 +23862,7 @@
             <p:spPr>
               <a:xfrm>
                 <a:off x="7944065" y="4106866"/>
-                <a:ext cx="1740476" cy="879151"/>
+                <a:ext cx="1836657" cy="877100"/>
               </a:xfrm>
               <a:prstGeom prst="rect">
                 <a:avLst/>
@@ -23986,7 +23994,7 @@
                                   <a:latin typeface="Cambria Math" panose="02040503050406030204" pitchFamily="18" charset="0"/>
                                   <a:ea typeface="Cambria Math" panose="02040503050406030204" pitchFamily="18" charset="0"/>
                                 </a:rPr>
-                                <m:t>𝒆</m:t>
+                                <m:t>𝑺</m:t>
                               </m:r>
                             </m:sub>
                           </m:sSub>
@@ -24024,7 +24032,7 @@
                             </m:e>
                             <m:sub>
                               <m:r>
-                                <a:rPr lang="fr-FR" sz="2800" b="1" i="1">
+                                <a:rPr lang="fr-FR" sz="2800" b="1" i="1" smtClean="0">
                                   <a:solidFill>
                                     <a:schemeClr val="tx1">
                                       <a:lumMod val="75000"/>
@@ -24034,7 +24042,7 @@
                                   <a:latin typeface="Cambria Math" panose="02040503050406030204" pitchFamily="18" charset="0"/>
                                   <a:ea typeface="Cambria Math" panose="02040503050406030204" pitchFamily="18" charset="0"/>
                                 </a:rPr>
-                                <m:t>𝒔</m:t>
+                                <m:t>𝑬</m:t>
                               </m:r>
                             </m:sub>
                           </m:sSub>
@@ -24057,7 +24065,7 @@
             </p:txBody>
           </p:sp>
         </mc:Choice>
-        <mc:Fallback xmlns="">
+        <mc:Fallback>
           <p:sp>
             <p:nvSpPr>
               <p:cNvPr id="15" name="ZoneTexte 14">
@@ -24075,7 +24083,7 @@
             <p:spPr>
               <a:xfrm>
                 <a:off x="7944065" y="4106866"/>
-                <a:ext cx="1740476" cy="879151"/>
+                <a:ext cx="1836657" cy="877100"/>
               </a:xfrm>
               <a:prstGeom prst="rect">
                 <a:avLst/>
